--- a/analysis/output/results/logReg.pptx
+++ b/analysis/output/results/logReg.pptx
@@ -15,6 +15,10 @@
     <p:sldId id="263" r:id="rId9"/>
     <p:sldId id="264" r:id="rId10"/>
     <p:sldId id="265" r:id="rId11"/>
+    <p:sldId id="266" r:id="rId12"/>
+    <p:sldId id="267" r:id="rId13"/>
+    <p:sldId id="268" r:id="rId14"/>
+    <p:sldId id="269" r:id="rId15"/>
   </p:sldIdLst>
   <p:sldSz cx="12192000" cy="6858000"/>
   <p:notesSz cx="6858000" cy="9144000"/>
@@ -268,7 +272,7 @@
           <a:p>
             <a:fld id="{3E8E3951-0666-BE4E-BBC6-0A31567BE0B7}" type="datetimeFigureOut">
               <a:rPr lang="en-US" smtClean="0"/>
-              <a:t>3/11/20</a:t>
+              <a:t>3/13/20</a:t>
             </a:fld>
             <a:endParaRPr lang="en-US"/>
           </a:p>
@@ -466,7 +470,7 @@
           <a:p>
             <a:fld id="{3E8E3951-0666-BE4E-BBC6-0A31567BE0B7}" type="datetimeFigureOut">
               <a:rPr lang="en-US" smtClean="0"/>
-              <a:t>3/11/20</a:t>
+              <a:t>3/13/20</a:t>
             </a:fld>
             <a:endParaRPr lang="en-US"/>
           </a:p>
@@ -674,7 +678,7 @@
           <a:p>
             <a:fld id="{3E8E3951-0666-BE4E-BBC6-0A31567BE0B7}" type="datetimeFigureOut">
               <a:rPr lang="en-US" smtClean="0"/>
-              <a:t>3/11/20</a:t>
+              <a:t>3/13/20</a:t>
             </a:fld>
             <a:endParaRPr lang="en-US"/>
           </a:p>
@@ -872,7 +876,7 @@
           <a:p>
             <a:fld id="{3E8E3951-0666-BE4E-BBC6-0A31567BE0B7}" type="datetimeFigureOut">
               <a:rPr lang="en-US" smtClean="0"/>
-              <a:t>3/11/20</a:t>
+              <a:t>3/13/20</a:t>
             </a:fld>
             <a:endParaRPr lang="en-US"/>
           </a:p>
@@ -1147,7 +1151,7 @@
           <a:p>
             <a:fld id="{3E8E3951-0666-BE4E-BBC6-0A31567BE0B7}" type="datetimeFigureOut">
               <a:rPr lang="en-US" smtClean="0"/>
-              <a:t>3/11/20</a:t>
+              <a:t>3/13/20</a:t>
             </a:fld>
             <a:endParaRPr lang="en-US"/>
           </a:p>
@@ -1412,7 +1416,7 @@
           <a:p>
             <a:fld id="{3E8E3951-0666-BE4E-BBC6-0A31567BE0B7}" type="datetimeFigureOut">
               <a:rPr lang="en-US" smtClean="0"/>
-              <a:t>3/11/20</a:t>
+              <a:t>3/13/20</a:t>
             </a:fld>
             <a:endParaRPr lang="en-US"/>
           </a:p>
@@ -1824,7 +1828,7 @@
           <a:p>
             <a:fld id="{3E8E3951-0666-BE4E-BBC6-0A31567BE0B7}" type="datetimeFigureOut">
               <a:rPr lang="en-US" smtClean="0"/>
-              <a:t>3/11/20</a:t>
+              <a:t>3/13/20</a:t>
             </a:fld>
             <a:endParaRPr lang="en-US"/>
           </a:p>
@@ -1965,7 +1969,7 @@
           <a:p>
             <a:fld id="{3E8E3951-0666-BE4E-BBC6-0A31567BE0B7}" type="datetimeFigureOut">
               <a:rPr lang="en-US" smtClean="0"/>
-              <a:t>3/11/20</a:t>
+              <a:t>3/13/20</a:t>
             </a:fld>
             <a:endParaRPr lang="en-US"/>
           </a:p>
@@ -2078,7 +2082,7 @@
           <a:p>
             <a:fld id="{3E8E3951-0666-BE4E-BBC6-0A31567BE0B7}" type="datetimeFigureOut">
               <a:rPr lang="en-US" smtClean="0"/>
-              <a:t>3/11/20</a:t>
+              <a:t>3/13/20</a:t>
             </a:fld>
             <a:endParaRPr lang="en-US"/>
           </a:p>
@@ -2389,7 +2393,7 @@
           <a:p>
             <a:fld id="{3E8E3951-0666-BE4E-BBC6-0A31567BE0B7}" type="datetimeFigureOut">
               <a:rPr lang="en-US" smtClean="0"/>
-              <a:t>3/11/20</a:t>
+              <a:t>3/13/20</a:t>
             </a:fld>
             <a:endParaRPr lang="en-US"/>
           </a:p>
@@ -2677,7 +2681,7 @@
           <a:p>
             <a:fld id="{3E8E3951-0666-BE4E-BBC6-0A31567BE0B7}" type="datetimeFigureOut">
               <a:rPr lang="en-US" smtClean="0"/>
-              <a:t>3/11/20</a:t>
+              <a:t>3/13/20</a:t>
             </a:fld>
             <a:endParaRPr lang="en-US"/>
           </a:p>
@@ -2918,7 +2922,7 @@
           <a:p>
             <a:fld id="{3E8E3951-0666-BE4E-BBC6-0A31567BE0B7}" type="datetimeFigureOut">
               <a:rPr lang="en-US" smtClean="0"/>
-              <a:t>3/11/20</a:t>
+              <a:t>3/13/20</a:t>
             </a:fld>
             <a:endParaRPr lang="en-US"/>
           </a:p>
@@ -3602,6 +3606,747 @@
 </p:sld>
 </file>
 
+<file path=ppt/slides/slide11.xml><?xml version="1.0" encoding="utf-8"?>
+<p:sld xmlns:a="http://schemas.openxmlformats.org/drawingml/2006/main" xmlns:r="http://schemas.openxmlformats.org/officeDocument/2006/relationships" xmlns:p="http://schemas.openxmlformats.org/presentationml/2006/main">
+  <p:cSld>
+    <p:spTree>
+      <p:nvGrpSpPr>
+        <p:cNvPr id="1" name=""/>
+        <p:cNvGrpSpPr/>
+        <p:nvPr/>
+      </p:nvGrpSpPr>
+      <p:grpSpPr>
+        <a:xfrm>
+          <a:off x="0" y="0"/>
+          <a:ext cx="0" cy="0"/>
+          <a:chOff x="0" y="0"/>
+          <a:chExt cx="0" cy="0"/>
+        </a:xfrm>
+      </p:grpSpPr>
+      <p:sp>
+        <p:nvSpPr>
+          <p:cNvPr id="2" name="Title 1">
+            <a:extLst>
+              <a:ext uri="{FF2B5EF4-FFF2-40B4-BE49-F238E27FC236}">
+                <a16:creationId xmlns:a16="http://schemas.microsoft.com/office/drawing/2014/main" id="{AEB5B58D-9DEB-3445-8D10-AD4F0A9FACCA}"/>
+              </a:ext>
+            </a:extLst>
+          </p:cNvPr>
+          <p:cNvSpPr>
+            <a:spLocks noGrp="1"/>
+          </p:cNvSpPr>
+          <p:nvPr>
+            <p:ph type="title"/>
+          </p:nvPr>
+        </p:nvSpPr>
+        <p:spPr>
+          <a:xfrm>
+            <a:off x="0" y="0"/>
+            <a:ext cx="10515600" cy="1325563"/>
+          </a:xfrm>
+        </p:spPr>
+        <p:txBody>
+          <a:bodyPr>
+            <a:normAutofit/>
+          </a:bodyPr>
+          <a:lstStyle/>
+          <a:p>
+            <a:r>
+              <a:rPr lang="en-US" dirty="0"/>
+              <a:t>Log Regression Within Subject</a:t>
+            </a:r>
+            <a:br>
+              <a:rPr lang="en-US" sz="1200" dirty="0"/>
+            </a:br>
+            <a:r>
+              <a:rPr lang="en-US" sz="1200" dirty="0"/>
+              <a:t>Randomly keeping 2 days of rest for testing</a:t>
+            </a:r>
+          </a:p>
+        </p:txBody>
+      </p:sp>
+      <p:pic>
+        <p:nvPicPr>
+          <p:cNvPr id="5" name="Picture 4">
+            <a:extLst>
+              <a:ext uri="{FF2B5EF4-FFF2-40B4-BE49-F238E27FC236}">
+                <a16:creationId xmlns:a16="http://schemas.microsoft.com/office/drawing/2014/main" id="{EE191971-8678-1344-B20D-EC1357D618CC}"/>
+              </a:ext>
+            </a:extLst>
+          </p:cNvPr>
+          <p:cNvPicPr>
+            <a:picLocks noChangeAspect="1"/>
+          </p:cNvPicPr>
+          <p:nvPr/>
+        </p:nvPicPr>
+        <p:blipFill>
+          <a:blip r:embed="rId2"/>
+          <a:stretch>
+            <a:fillRect/>
+          </a:stretch>
+        </p:blipFill>
+        <p:spPr>
+          <a:xfrm>
+            <a:off x="7181850" y="3468329"/>
+            <a:ext cx="5003800" cy="3352800"/>
+          </a:xfrm>
+          <a:prstGeom prst="rect">
+            <a:avLst/>
+          </a:prstGeom>
+        </p:spPr>
+      </p:pic>
+      <p:pic>
+        <p:nvPicPr>
+          <p:cNvPr id="7" name="Picture 6">
+            <a:extLst>
+              <a:ext uri="{FF2B5EF4-FFF2-40B4-BE49-F238E27FC236}">
+                <a16:creationId xmlns:a16="http://schemas.microsoft.com/office/drawing/2014/main" id="{86551BE0-8C52-FF4C-8293-55DAFCC1ABE6}"/>
+              </a:ext>
+            </a:extLst>
+          </p:cNvPr>
+          <p:cNvPicPr>
+            <a:picLocks noChangeAspect="1"/>
+          </p:cNvPicPr>
+          <p:nvPr/>
+        </p:nvPicPr>
+        <p:blipFill>
+          <a:blip r:embed="rId3"/>
+          <a:stretch>
+            <a:fillRect/>
+          </a:stretch>
+        </p:blipFill>
+        <p:spPr>
+          <a:xfrm>
+            <a:off x="1286387" y="2069359"/>
+            <a:ext cx="5003800" cy="3352800"/>
+          </a:xfrm>
+          <a:prstGeom prst="rect">
+            <a:avLst/>
+          </a:prstGeom>
+        </p:spPr>
+      </p:pic>
+      <p:pic>
+        <p:nvPicPr>
+          <p:cNvPr id="9" name="Picture 8">
+            <a:extLst>
+              <a:ext uri="{FF2B5EF4-FFF2-40B4-BE49-F238E27FC236}">
+                <a16:creationId xmlns:a16="http://schemas.microsoft.com/office/drawing/2014/main" id="{6E9E5B14-AE66-8D49-9234-DB47F32D0669}"/>
+              </a:ext>
+            </a:extLst>
+          </p:cNvPr>
+          <p:cNvPicPr>
+            <a:picLocks noChangeAspect="1"/>
+          </p:cNvPicPr>
+          <p:nvPr/>
+        </p:nvPicPr>
+        <p:blipFill>
+          <a:blip r:embed="rId4"/>
+          <a:stretch>
+            <a:fillRect/>
+          </a:stretch>
+        </p:blipFill>
+        <p:spPr>
+          <a:xfrm>
+            <a:off x="7181850" y="76200"/>
+            <a:ext cx="5003800" cy="3352800"/>
+          </a:xfrm>
+          <a:prstGeom prst="rect">
+            <a:avLst/>
+          </a:prstGeom>
+        </p:spPr>
+      </p:pic>
+    </p:spTree>
+    <p:extLst>
+      <p:ext uri="{BB962C8B-B14F-4D97-AF65-F5344CB8AC3E}">
+        <p14:creationId xmlns:p14="http://schemas.microsoft.com/office/powerpoint/2010/main" val="2355051063"/>
+      </p:ext>
+    </p:extLst>
+  </p:cSld>
+  <p:clrMapOvr>
+    <a:masterClrMapping/>
+  </p:clrMapOvr>
+</p:sld>
+</file>
+
+<file path=ppt/slides/slide12.xml><?xml version="1.0" encoding="utf-8"?>
+<p:sld xmlns:a="http://schemas.openxmlformats.org/drawingml/2006/main" xmlns:r="http://schemas.openxmlformats.org/officeDocument/2006/relationships" xmlns:p="http://schemas.openxmlformats.org/presentationml/2006/main">
+  <p:cSld>
+    <p:spTree>
+      <p:nvGrpSpPr>
+        <p:cNvPr id="1" name=""/>
+        <p:cNvGrpSpPr/>
+        <p:nvPr/>
+      </p:nvGrpSpPr>
+      <p:grpSpPr>
+        <a:xfrm>
+          <a:off x="0" y="0"/>
+          <a:ext cx="0" cy="0"/>
+          <a:chOff x="0" y="0"/>
+          <a:chExt cx="0" cy="0"/>
+        </a:xfrm>
+      </p:grpSpPr>
+      <p:sp>
+        <p:nvSpPr>
+          <p:cNvPr id="2" name="Title 1">
+            <a:extLst>
+              <a:ext uri="{FF2B5EF4-FFF2-40B4-BE49-F238E27FC236}">
+                <a16:creationId xmlns:a16="http://schemas.microsoft.com/office/drawing/2014/main" id="{8D05D4BC-EB74-7B45-A179-DD29B3E2270C}"/>
+              </a:ext>
+            </a:extLst>
+          </p:cNvPr>
+          <p:cNvSpPr>
+            <a:spLocks noGrp="1"/>
+          </p:cNvSpPr>
+          <p:nvPr>
+            <p:ph type="title"/>
+          </p:nvPr>
+        </p:nvSpPr>
+        <p:spPr>
+          <a:xfrm>
+            <a:off x="0" y="0"/>
+            <a:ext cx="10515600" cy="1325563"/>
+          </a:xfrm>
+        </p:spPr>
+        <p:txBody>
+          <a:bodyPr/>
+          <a:lstStyle/>
+          <a:p>
+            <a:r>
+              <a:rPr lang="en-US" dirty="0"/>
+              <a:t>How does this compare to SVM</a:t>
+            </a:r>
+          </a:p>
+        </p:txBody>
+      </p:sp>
+      <p:sp>
+        <p:nvSpPr>
+          <p:cNvPr id="4" name="TextBox 3">
+            <a:extLst>
+              <a:ext uri="{FF2B5EF4-FFF2-40B4-BE49-F238E27FC236}">
+                <a16:creationId xmlns:a16="http://schemas.microsoft.com/office/drawing/2014/main" id="{3C996C6F-3286-424E-A260-EB2855DFAF1F}"/>
+              </a:ext>
+            </a:extLst>
+          </p:cNvPr>
+          <p:cNvSpPr txBox="1"/>
+          <p:nvPr/>
+        </p:nvSpPr>
+        <p:spPr>
+          <a:xfrm>
+            <a:off x="1676400" y="1140897"/>
+            <a:ext cx="1995948" cy="369332"/>
+          </a:xfrm>
+          <a:prstGeom prst="rect">
+            <a:avLst/>
+          </a:prstGeom>
+          <a:noFill/>
+        </p:spPr>
+        <p:txBody>
+          <a:bodyPr wrap="square" rtlCol="0">
+            <a:spAutoFit/>
+          </a:bodyPr>
+          <a:lstStyle/>
+          <a:p>
+            <a:r>
+              <a:rPr lang="en-US" dirty="0"/>
+              <a:t>SVM</a:t>
+            </a:r>
+          </a:p>
+        </p:txBody>
+      </p:sp>
+      <p:sp>
+        <p:nvSpPr>
+          <p:cNvPr id="5" name="TextBox 4">
+            <a:extLst>
+              <a:ext uri="{FF2B5EF4-FFF2-40B4-BE49-F238E27FC236}">
+                <a16:creationId xmlns:a16="http://schemas.microsoft.com/office/drawing/2014/main" id="{A58C3701-6545-CD4D-9856-C43D442EC5D0}"/>
+              </a:ext>
+            </a:extLst>
+          </p:cNvPr>
+          <p:cNvSpPr txBox="1"/>
+          <p:nvPr/>
+        </p:nvSpPr>
+        <p:spPr>
+          <a:xfrm>
+            <a:off x="9357852" y="1233230"/>
+            <a:ext cx="943896" cy="369332"/>
+          </a:xfrm>
+          <a:prstGeom prst="rect">
+            <a:avLst/>
+          </a:prstGeom>
+          <a:noFill/>
+        </p:spPr>
+        <p:txBody>
+          <a:bodyPr wrap="square" rtlCol="0">
+            <a:spAutoFit/>
+          </a:bodyPr>
+          <a:lstStyle/>
+          <a:p>
+            <a:r>
+              <a:rPr lang="en-US" dirty="0"/>
+              <a:t>Log</a:t>
+            </a:r>
+          </a:p>
+        </p:txBody>
+      </p:sp>
+      <p:pic>
+        <p:nvPicPr>
+          <p:cNvPr id="6" name="Picture 5">
+            <a:extLst>
+              <a:ext uri="{FF2B5EF4-FFF2-40B4-BE49-F238E27FC236}">
+                <a16:creationId xmlns:a16="http://schemas.microsoft.com/office/drawing/2014/main" id="{18068D56-A169-7647-BDF8-6B6F84C460FE}"/>
+              </a:ext>
+            </a:extLst>
+          </p:cNvPr>
+          <p:cNvPicPr>
+            <a:picLocks noChangeAspect="1"/>
+          </p:cNvPicPr>
+          <p:nvPr/>
+        </p:nvPicPr>
+        <p:blipFill>
+          <a:blip r:embed="rId2"/>
+          <a:stretch>
+            <a:fillRect/>
+          </a:stretch>
+        </p:blipFill>
+        <p:spPr>
+          <a:xfrm>
+            <a:off x="6855952" y="1752600"/>
+            <a:ext cx="5003800" cy="3352800"/>
+          </a:xfrm>
+          <a:prstGeom prst="rect">
+            <a:avLst/>
+          </a:prstGeom>
+        </p:spPr>
+      </p:pic>
+      <p:pic>
+        <p:nvPicPr>
+          <p:cNvPr id="7" name="Picture 6">
+            <a:extLst>
+              <a:ext uri="{FF2B5EF4-FFF2-40B4-BE49-F238E27FC236}">
+                <a16:creationId xmlns:a16="http://schemas.microsoft.com/office/drawing/2014/main" id="{2027FA69-EB0A-1D4A-A3AD-9000C5667845}"/>
+              </a:ext>
+            </a:extLst>
+          </p:cNvPr>
+          <p:cNvPicPr>
+            <a:picLocks noChangeAspect="1"/>
+          </p:cNvPicPr>
+          <p:nvPr/>
+        </p:nvPicPr>
+        <p:blipFill>
+          <a:blip r:embed="rId3"/>
+          <a:stretch>
+            <a:fillRect/>
+          </a:stretch>
+        </p:blipFill>
+        <p:spPr>
+          <a:xfrm>
+            <a:off x="483986" y="1752600"/>
+            <a:ext cx="5003800" cy="3352800"/>
+          </a:xfrm>
+          <a:prstGeom prst="rect">
+            <a:avLst/>
+          </a:prstGeom>
+        </p:spPr>
+      </p:pic>
+    </p:spTree>
+    <p:extLst>
+      <p:ext uri="{BB962C8B-B14F-4D97-AF65-F5344CB8AC3E}">
+        <p14:creationId xmlns:p14="http://schemas.microsoft.com/office/powerpoint/2010/main" val="593161709"/>
+      </p:ext>
+    </p:extLst>
+  </p:cSld>
+  <p:clrMapOvr>
+    <a:masterClrMapping/>
+  </p:clrMapOvr>
+</p:sld>
+</file>
+
+<file path=ppt/slides/slide13.xml><?xml version="1.0" encoding="utf-8"?>
+<p:sld xmlns:a="http://schemas.openxmlformats.org/drawingml/2006/main" xmlns:r="http://schemas.openxmlformats.org/officeDocument/2006/relationships" xmlns:p="http://schemas.openxmlformats.org/presentationml/2006/main">
+  <p:cSld>
+    <p:spTree>
+      <p:nvGrpSpPr>
+        <p:cNvPr id="1" name=""/>
+        <p:cNvGrpSpPr/>
+        <p:nvPr/>
+      </p:nvGrpSpPr>
+      <p:grpSpPr>
+        <a:xfrm>
+          <a:off x="0" y="0"/>
+          <a:ext cx="0" cy="0"/>
+          <a:chOff x="0" y="0"/>
+          <a:chExt cx="0" cy="0"/>
+        </a:xfrm>
+      </p:grpSpPr>
+      <p:sp>
+        <p:nvSpPr>
+          <p:cNvPr id="2" name="Title 1">
+            <a:extLst>
+              <a:ext uri="{FF2B5EF4-FFF2-40B4-BE49-F238E27FC236}">
+                <a16:creationId xmlns:a16="http://schemas.microsoft.com/office/drawing/2014/main" id="{8D05D4BC-EB74-7B45-A179-DD29B3E2270C}"/>
+              </a:ext>
+            </a:extLst>
+          </p:cNvPr>
+          <p:cNvSpPr>
+            <a:spLocks noGrp="1"/>
+          </p:cNvSpPr>
+          <p:nvPr>
+            <p:ph type="title"/>
+          </p:nvPr>
+        </p:nvSpPr>
+        <p:spPr>
+          <a:xfrm>
+            <a:off x="0" y="0"/>
+            <a:ext cx="10515600" cy="1325563"/>
+          </a:xfrm>
+        </p:spPr>
+        <p:txBody>
+          <a:bodyPr/>
+          <a:lstStyle/>
+          <a:p>
+            <a:r>
+              <a:rPr lang="en-US" dirty="0"/>
+              <a:t>How does this compare to SVM</a:t>
+            </a:r>
+          </a:p>
+        </p:txBody>
+      </p:sp>
+      <p:sp>
+        <p:nvSpPr>
+          <p:cNvPr id="4" name="TextBox 3">
+            <a:extLst>
+              <a:ext uri="{FF2B5EF4-FFF2-40B4-BE49-F238E27FC236}">
+                <a16:creationId xmlns:a16="http://schemas.microsoft.com/office/drawing/2014/main" id="{3C996C6F-3286-424E-A260-EB2855DFAF1F}"/>
+              </a:ext>
+            </a:extLst>
+          </p:cNvPr>
+          <p:cNvSpPr txBox="1"/>
+          <p:nvPr/>
+        </p:nvSpPr>
+        <p:spPr>
+          <a:xfrm>
+            <a:off x="1676400" y="1140897"/>
+            <a:ext cx="1995948" cy="369332"/>
+          </a:xfrm>
+          <a:prstGeom prst="rect">
+            <a:avLst/>
+          </a:prstGeom>
+          <a:noFill/>
+        </p:spPr>
+        <p:txBody>
+          <a:bodyPr wrap="square" rtlCol="0">
+            <a:spAutoFit/>
+          </a:bodyPr>
+          <a:lstStyle/>
+          <a:p>
+            <a:r>
+              <a:rPr lang="en-US" dirty="0"/>
+              <a:t>SVM</a:t>
+            </a:r>
+          </a:p>
+        </p:txBody>
+      </p:sp>
+      <p:sp>
+        <p:nvSpPr>
+          <p:cNvPr id="5" name="TextBox 4">
+            <a:extLst>
+              <a:ext uri="{FF2B5EF4-FFF2-40B4-BE49-F238E27FC236}">
+                <a16:creationId xmlns:a16="http://schemas.microsoft.com/office/drawing/2014/main" id="{A58C3701-6545-CD4D-9856-C43D442EC5D0}"/>
+              </a:ext>
+            </a:extLst>
+          </p:cNvPr>
+          <p:cNvSpPr txBox="1"/>
+          <p:nvPr/>
+        </p:nvSpPr>
+        <p:spPr>
+          <a:xfrm>
+            <a:off x="9357852" y="1233230"/>
+            <a:ext cx="943896" cy="369332"/>
+          </a:xfrm>
+          <a:prstGeom prst="rect">
+            <a:avLst/>
+          </a:prstGeom>
+          <a:noFill/>
+        </p:spPr>
+        <p:txBody>
+          <a:bodyPr wrap="square" rtlCol="0">
+            <a:spAutoFit/>
+          </a:bodyPr>
+          <a:lstStyle/>
+          <a:p>
+            <a:r>
+              <a:rPr lang="en-US" dirty="0"/>
+              <a:t>Log</a:t>
+            </a:r>
+          </a:p>
+        </p:txBody>
+      </p:sp>
+      <p:pic>
+        <p:nvPicPr>
+          <p:cNvPr id="8" name="Picture 7">
+            <a:extLst>
+              <a:ext uri="{FF2B5EF4-FFF2-40B4-BE49-F238E27FC236}">
+                <a16:creationId xmlns:a16="http://schemas.microsoft.com/office/drawing/2014/main" id="{A2864090-30A7-9445-9769-BD3837A68586}"/>
+              </a:ext>
+            </a:extLst>
+          </p:cNvPr>
+          <p:cNvPicPr>
+            <a:picLocks noChangeAspect="1"/>
+          </p:cNvPicPr>
+          <p:nvPr/>
+        </p:nvPicPr>
+        <p:blipFill>
+          <a:blip r:embed="rId2"/>
+          <a:stretch>
+            <a:fillRect/>
+          </a:stretch>
+        </p:blipFill>
+        <p:spPr>
+          <a:xfrm>
+            <a:off x="7188200" y="1752600"/>
+            <a:ext cx="5003800" cy="3352800"/>
+          </a:xfrm>
+          <a:prstGeom prst="rect">
+            <a:avLst/>
+          </a:prstGeom>
+        </p:spPr>
+      </p:pic>
+      <p:pic>
+        <p:nvPicPr>
+          <p:cNvPr id="9" name="Picture 8">
+            <a:extLst>
+              <a:ext uri="{FF2B5EF4-FFF2-40B4-BE49-F238E27FC236}">
+                <a16:creationId xmlns:a16="http://schemas.microsoft.com/office/drawing/2014/main" id="{240A4996-DFE4-5842-BABB-B58E9C5D0FAA}"/>
+              </a:ext>
+            </a:extLst>
+          </p:cNvPr>
+          <p:cNvPicPr>
+            <a:picLocks noChangeAspect="1"/>
+          </p:cNvPicPr>
+          <p:nvPr/>
+        </p:nvPicPr>
+        <p:blipFill>
+          <a:blip r:embed="rId3"/>
+          <a:stretch>
+            <a:fillRect/>
+          </a:stretch>
+        </p:blipFill>
+        <p:spPr>
+          <a:xfrm>
+            <a:off x="254000" y="1752600"/>
+            <a:ext cx="5003800" cy="3352800"/>
+          </a:xfrm>
+          <a:prstGeom prst="rect">
+            <a:avLst/>
+          </a:prstGeom>
+        </p:spPr>
+      </p:pic>
+    </p:spTree>
+    <p:extLst>
+      <p:ext uri="{BB962C8B-B14F-4D97-AF65-F5344CB8AC3E}">
+        <p14:creationId xmlns:p14="http://schemas.microsoft.com/office/powerpoint/2010/main" val="4256900882"/>
+      </p:ext>
+    </p:extLst>
+  </p:cSld>
+  <p:clrMapOvr>
+    <a:masterClrMapping/>
+  </p:clrMapOvr>
+</p:sld>
+</file>
+
+<file path=ppt/slides/slide14.xml><?xml version="1.0" encoding="utf-8"?>
+<p:sld xmlns:a="http://schemas.openxmlformats.org/drawingml/2006/main" xmlns:r="http://schemas.openxmlformats.org/officeDocument/2006/relationships" xmlns:p="http://schemas.openxmlformats.org/presentationml/2006/main">
+  <p:cSld>
+    <p:spTree>
+      <p:nvGrpSpPr>
+        <p:cNvPr id="1" name=""/>
+        <p:cNvGrpSpPr/>
+        <p:nvPr/>
+      </p:nvGrpSpPr>
+      <p:grpSpPr>
+        <a:xfrm>
+          <a:off x="0" y="0"/>
+          <a:ext cx="0" cy="0"/>
+          <a:chOff x="0" y="0"/>
+          <a:chExt cx="0" cy="0"/>
+        </a:xfrm>
+      </p:grpSpPr>
+      <p:sp>
+        <p:nvSpPr>
+          <p:cNvPr id="2" name="Title 1">
+            <a:extLst>
+              <a:ext uri="{FF2B5EF4-FFF2-40B4-BE49-F238E27FC236}">
+                <a16:creationId xmlns:a16="http://schemas.microsoft.com/office/drawing/2014/main" id="{8D05D4BC-EB74-7B45-A179-DD29B3E2270C}"/>
+              </a:ext>
+            </a:extLst>
+          </p:cNvPr>
+          <p:cNvSpPr>
+            <a:spLocks noGrp="1"/>
+          </p:cNvSpPr>
+          <p:nvPr>
+            <p:ph type="title"/>
+          </p:nvPr>
+        </p:nvSpPr>
+        <p:spPr>
+          <a:xfrm>
+            <a:off x="0" y="0"/>
+            <a:ext cx="10515600" cy="1325563"/>
+          </a:xfrm>
+        </p:spPr>
+        <p:txBody>
+          <a:bodyPr/>
+          <a:lstStyle/>
+          <a:p>
+            <a:r>
+              <a:rPr lang="en-US" dirty="0"/>
+              <a:t>How does this compare to SVM</a:t>
+            </a:r>
+          </a:p>
+        </p:txBody>
+      </p:sp>
+      <p:sp>
+        <p:nvSpPr>
+          <p:cNvPr id="4" name="TextBox 3">
+            <a:extLst>
+              <a:ext uri="{FF2B5EF4-FFF2-40B4-BE49-F238E27FC236}">
+                <a16:creationId xmlns:a16="http://schemas.microsoft.com/office/drawing/2014/main" id="{3C996C6F-3286-424E-A260-EB2855DFAF1F}"/>
+              </a:ext>
+            </a:extLst>
+          </p:cNvPr>
+          <p:cNvSpPr txBox="1"/>
+          <p:nvPr/>
+        </p:nvSpPr>
+        <p:spPr>
+          <a:xfrm>
+            <a:off x="2546555" y="1169749"/>
+            <a:ext cx="1995948" cy="369332"/>
+          </a:xfrm>
+          <a:prstGeom prst="rect">
+            <a:avLst/>
+          </a:prstGeom>
+          <a:noFill/>
+        </p:spPr>
+        <p:txBody>
+          <a:bodyPr wrap="square" rtlCol="0">
+            <a:spAutoFit/>
+          </a:bodyPr>
+          <a:lstStyle/>
+          <a:p>
+            <a:r>
+              <a:rPr lang="en-US" dirty="0"/>
+              <a:t>SVM</a:t>
+            </a:r>
+          </a:p>
+        </p:txBody>
+      </p:sp>
+      <p:sp>
+        <p:nvSpPr>
+          <p:cNvPr id="5" name="TextBox 4">
+            <a:extLst>
+              <a:ext uri="{FF2B5EF4-FFF2-40B4-BE49-F238E27FC236}">
+                <a16:creationId xmlns:a16="http://schemas.microsoft.com/office/drawing/2014/main" id="{A58C3701-6545-CD4D-9856-C43D442EC5D0}"/>
+              </a:ext>
+            </a:extLst>
+          </p:cNvPr>
+          <p:cNvSpPr txBox="1"/>
+          <p:nvPr/>
+        </p:nvSpPr>
+        <p:spPr>
+          <a:xfrm>
+            <a:off x="9357852" y="1233230"/>
+            <a:ext cx="943896" cy="369332"/>
+          </a:xfrm>
+          <a:prstGeom prst="rect">
+            <a:avLst/>
+          </a:prstGeom>
+          <a:noFill/>
+        </p:spPr>
+        <p:txBody>
+          <a:bodyPr wrap="square" rtlCol="0">
+            <a:spAutoFit/>
+          </a:bodyPr>
+          <a:lstStyle/>
+          <a:p>
+            <a:r>
+              <a:rPr lang="en-US" dirty="0"/>
+              <a:t>Log</a:t>
+            </a:r>
+          </a:p>
+        </p:txBody>
+      </p:sp>
+      <p:pic>
+        <p:nvPicPr>
+          <p:cNvPr id="8" name="Picture 7">
+            <a:extLst>
+              <a:ext uri="{FF2B5EF4-FFF2-40B4-BE49-F238E27FC236}">
+                <a16:creationId xmlns:a16="http://schemas.microsoft.com/office/drawing/2014/main" id="{C270AE6A-595B-394E-BD56-0BAA05B1C108}"/>
+              </a:ext>
+            </a:extLst>
+          </p:cNvPr>
+          <p:cNvPicPr>
+            <a:picLocks noChangeAspect="1"/>
+          </p:cNvPicPr>
+          <p:nvPr/>
+        </p:nvPicPr>
+        <p:blipFill>
+          <a:blip r:embed="rId2"/>
+          <a:stretch>
+            <a:fillRect/>
+          </a:stretch>
+        </p:blipFill>
+        <p:spPr>
+          <a:xfrm>
+            <a:off x="6622025" y="1602562"/>
+            <a:ext cx="5237726" cy="3509543"/>
+          </a:xfrm>
+          <a:prstGeom prst="rect">
+            <a:avLst/>
+          </a:prstGeom>
+        </p:spPr>
+      </p:pic>
+      <p:pic>
+        <p:nvPicPr>
+          <p:cNvPr id="9" name="Picture 8">
+            <a:extLst>
+              <a:ext uri="{FF2B5EF4-FFF2-40B4-BE49-F238E27FC236}">
+                <a16:creationId xmlns:a16="http://schemas.microsoft.com/office/drawing/2014/main" id="{B34E86FB-FFCA-D848-9B9A-91529DB54BE3}"/>
+              </a:ext>
+            </a:extLst>
+          </p:cNvPr>
+          <p:cNvPicPr>
+            <a:picLocks noChangeAspect="1"/>
+          </p:cNvPicPr>
+          <p:nvPr/>
+        </p:nvPicPr>
+        <p:blipFill>
+          <a:blip r:embed="rId3"/>
+          <a:stretch>
+            <a:fillRect/>
+          </a:stretch>
+        </p:blipFill>
+        <p:spPr>
+          <a:xfrm>
+            <a:off x="332249" y="1752600"/>
+            <a:ext cx="5003800" cy="3352800"/>
+          </a:xfrm>
+          <a:prstGeom prst="rect">
+            <a:avLst/>
+          </a:prstGeom>
+        </p:spPr>
+      </p:pic>
+    </p:spTree>
+    <p:extLst>
+      <p:ext uri="{BB962C8B-B14F-4D97-AF65-F5344CB8AC3E}">
+        <p14:creationId xmlns:p14="http://schemas.microsoft.com/office/powerpoint/2010/main" val="883546834"/>
+      </p:ext>
+    </p:extLst>
+  </p:cSld>
+  <p:clrMapOvr>
+    <a:masterClrMapping/>
+  </p:clrMapOvr>
+</p:sld>
+</file>
+
 <file path=ppt/slides/slide2.xml><?xml version="1.0" encoding="utf-8"?>
 <p:sld xmlns:a="http://schemas.openxmlformats.org/drawingml/2006/main" xmlns:r="http://schemas.openxmlformats.org/officeDocument/2006/relationships" xmlns:p="http://schemas.openxmlformats.org/presentationml/2006/main">
   <p:cSld>
